--- a/docs/Система управления перевозками.pptx
+++ b/docs/Система управления перевозками.pptx
@@ -17,7 +17,8 @@
     <p:sldId id="264" r:id="rId11"/>
     <p:sldId id="265" r:id="rId12"/>
     <p:sldId id="268" r:id="rId13"/>
-    <p:sldId id="269" r:id="rId14"/>
+    <p:sldId id="270" r:id="rId14"/>
+    <p:sldId id="269" r:id="rId15"/>
   </p:sldIdLst>
   <p:sldSz cx="9144000" cy="6858000" type="screen4x3"/>
   <p:notesSz cx="6858000" cy="9144000"/>
@@ -253,6 +254,7 @@
           <a:p>
             <a:fld id="{89012100-9C66-47BD-AA8A-B531209EF6C0}" type="datetimeFigureOut">
               <a:rPr lang="ru-RU" smtClean="0"/>
+              <a:pPr/>
               <a:t>01.12.2014</a:t>
             </a:fld>
             <a:endParaRPr lang="ru-RU"/>
@@ -299,6 +301,7 @@
           <a:p>
             <a:fld id="{1324D760-9656-41E2-A904-E59FA5F0834D}" type="slidenum">
               <a:rPr lang="ru-RU" smtClean="0"/>
+              <a:pPr/>
               <a:t>‹#›</a:t>
             </a:fld>
             <a:endParaRPr lang="ru-RU"/>
@@ -566,6 +569,7 @@
           <a:p>
             <a:fld id="{89012100-9C66-47BD-AA8A-B531209EF6C0}" type="datetimeFigureOut">
               <a:rPr lang="ru-RU" smtClean="0"/>
+              <a:pPr/>
               <a:t>01.12.2014</a:t>
             </a:fld>
             <a:endParaRPr lang="ru-RU"/>
@@ -612,6 +616,7 @@
           <a:p>
             <a:fld id="{1324D760-9656-41E2-A904-E59FA5F0834D}" type="slidenum">
               <a:rPr lang="ru-RU" smtClean="0"/>
+              <a:pPr/>
               <a:t>‹#›</a:t>
             </a:fld>
             <a:endParaRPr lang="ru-RU"/>
@@ -751,6 +756,7 @@
           <a:p>
             <a:fld id="{89012100-9C66-47BD-AA8A-B531209EF6C0}" type="datetimeFigureOut">
               <a:rPr lang="ru-RU" smtClean="0"/>
+              <a:pPr/>
               <a:t>01.12.2014</a:t>
             </a:fld>
             <a:endParaRPr lang="ru-RU"/>
@@ -797,6 +803,7 @@
           <a:p>
             <a:fld id="{1324D760-9656-41E2-A904-E59FA5F0834D}" type="slidenum">
               <a:rPr lang="ru-RU" smtClean="0"/>
+              <a:pPr/>
               <a:t>‹#›</a:t>
             </a:fld>
             <a:endParaRPr lang="ru-RU"/>
@@ -926,6 +933,7 @@
           <a:p>
             <a:fld id="{89012100-9C66-47BD-AA8A-B531209EF6C0}" type="datetimeFigureOut">
               <a:rPr lang="ru-RU" smtClean="0"/>
+              <a:pPr/>
               <a:t>01.12.2014</a:t>
             </a:fld>
             <a:endParaRPr lang="ru-RU"/>
@@ -972,6 +980,7 @@
           <a:p>
             <a:fld id="{1324D760-9656-41E2-A904-E59FA5F0834D}" type="slidenum">
               <a:rPr lang="ru-RU" smtClean="0"/>
+              <a:pPr/>
               <a:t>‹#›</a:t>
             </a:fld>
             <a:endParaRPr lang="ru-RU"/>
@@ -1194,6 +1203,7 @@
           <a:p>
             <a:fld id="{89012100-9C66-47BD-AA8A-B531209EF6C0}" type="datetimeFigureOut">
               <a:rPr lang="ru-RU" smtClean="0"/>
+              <a:pPr/>
               <a:t>01.12.2014</a:t>
             </a:fld>
             <a:endParaRPr lang="ru-RU"/>
@@ -1240,6 +1250,7 @@
           <a:p>
             <a:fld id="{1324D760-9656-41E2-A904-E59FA5F0834D}" type="slidenum">
               <a:rPr lang="ru-RU" smtClean="0"/>
+              <a:pPr/>
               <a:t>‹#›</a:t>
             </a:fld>
             <a:endParaRPr lang="ru-RU"/>
@@ -1662,6 +1673,7 @@
           <a:p>
             <a:fld id="{89012100-9C66-47BD-AA8A-B531209EF6C0}" type="datetimeFigureOut">
               <a:rPr lang="ru-RU" smtClean="0"/>
+              <a:pPr/>
               <a:t>01.12.2014</a:t>
             </a:fld>
             <a:endParaRPr lang="ru-RU"/>
@@ -1708,6 +1720,7 @@
           <a:p>
             <a:fld id="{1324D760-9656-41E2-A904-E59FA5F0834D}" type="slidenum">
               <a:rPr lang="ru-RU" smtClean="0"/>
+              <a:pPr/>
               <a:t>‹#›</a:t>
             </a:fld>
             <a:endParaRPr lang="ru-RU"/>
@@ -2151,6 +2164,7 @@
           <a:p>
             <a:fld id="{89012100-9C66-47BD-AA8A-B531209EF6C0}" type="datetimeFigureOut">
               <a:rPr lang="ru-RU" smtClean="0"/>
+              <a:pPr/>
               <a:t>01.12.2014</a:t>
             </a:fld>
             <a:endParaRPr lang="ru-RU"/>
@@ -2197,6 +2211,7 @@
           <a:p>
             <a:fld id="{1324D760-9656-41E2-A904-E59FA5F0834D}" type="slidenum">
               <a:rPr lang="ru-RU" smtClean="0"/>
+              <a:pPr/>
               <a:t>‹#›</a:t>
             </a:fld>
             <a:endParaRPr lang="ru-RU"/>
@@ -2277,6 +2292,7 @@
           <a:p>
             <a:fld id="{89012100-9C66-47BD-AA8A-B531209EF6C0}" type="datetimeFigureOut">
               <a:rPr lang="ru-RU" smtClean="0"/>
+              <a:pPr/>
               <a:t>01.12.2014</a:t>
             </a:fld>
             <a:endParaRPr lang="ru-RU"/>
@@ -2323,6 +2339,7 @@
           <a:p>
             <a:fld id="{1324D760-9656-41E2-A904-E59FA5F0834D}" type="slidenum">
               <a:rPr lang="ru-RU" smtClean="0"/>
+              <a:pPr/>
               <a:t>‹#›</a:t>
             </a:fld>
             <a:endParaRPr lang="ru-RU"/>
@@ -2421,6 +2438,7 @@
           <a:p>
             <a:fld id="{89012100-9C66-47BD-AA8A-B531209EF6C0}" type="datetimeFigureOut">
               <a:rPr lang="ru-RU" smtClean="0"/>
+              <a:pPr/>
               <a:t>01.12.2014</a:t>
             </a:fld>
             <a:endParaRPr lang="ru-RU"/>
@@ -2467,6 +2485,7 @@
           <a:p>
             <a:fld id="{1324D760-9656-41E2-A904-E59FA5F0834D}" type="slidenum">
               <a:rPr lang="ru-RU" smtClean="0"/>
+              <a:pPr/>
               <a:t>‹#›</a:t>
             </a:fld>
             <a:endParaRPr lang="ru-RU"/>
@@ -2743,6 +2762,7 @@
           <a:p>
             <a:fld id="{89012100-9C66-47BD-AA8A-B531209EF6C0}" type="datetimeFigureOut">
               <a:rPr lang="ru-RU" smtClean="0"/>
+              <a:pPr/>
               <a:t>01.12.2014</a:t>
             </a:fld>
             <a:endParaRPr lang="ru-RU"/>
@@ -2789,6 +2809,7 @@
           <a:p>
             <a:fld id="{1324D760-9656-41E2-A904-E59FA5F0834D}" type="slidenum">
               <a:rPr lang="ru-RU" smtClean="0"/>
+              <a:pPr/>
               <a:t>‹#›</a:t>
             </a:fld>
             <a:endParaRPr lang="ru-RU"/>
@@ -2877,6 +2898,7 @@
           <a:p>
             <a:fld id="{89012100-9C66-47BD-AA8A-B531209EF6C0}" type="datetimeFigureOut">
               <a:rPr lang="ru-RU" smtClean="0"/>
+              <a:pPr/>
               <a:t>01.12.2014</a:t>
             </a:fld>
             <a:endParaRPr lang="ru-RU"/>
@@ -2923,6 +2945,7 @@
           <a:p>
             <a:fld id="{1324D760-9656-41E2-A904-E59FA5F0834D}" type="slidenum">
               <a:rPr lang="ru-RU" smtClean="0"/>
+              <a:pPr/>
               <a:t>‹#›</a:t>
             </a:fld>
             <a:endParaRPr lang="ru-RU"/>
@@ -3658,6 +3681,7 @@
           <a:p>
             <a:fld id="{89012100-9C66-47BD-AA8A-B531209EF6C0}" type="datetimeFigureOut">
               <a:rPr lang="ru-RU" smtClean="0"/>
+              <a:pPr/>
               <a:t>01.12.2014</a:t>
             </a:fld>
             <a:endParaRPr lang="ru-RU"/>
@@ -3742,6 +3766,7 @@
           <a:p>
             <a:fld id="{1324D760-9656-41E2-A904-E59FA5F0834D}" type="slidenum">
               <a:rPr lang="ru-RU" smtClean="0"/>
+              <a:pPr/>
               <a:t>‹#›</a:t>
             </a:fld>
             <a:endParaRPr lang="ru-RU"/>
@@ -4518,6 +4543,116 @@
             <a:spLocks noGrp="1"/>
           </p:cNvSpPr>
           <p:nvPr>
+            <p:ph type="title"/>
+          </p:nvPr>
+        </p:nvSpPr>
+        <p:spPr/>
+        <p:txBody>
+          <a:bodyPr>
+            <a:normAutofit/>
+          </a:bodyPr>
+          <a:lstStyle/>
+          <a:p>
+            <a:r>
+              <a:rPr lang="ru-RU" dirty="0" smtClean="0"/>
+              <a:t>Средства реализации</a:t>
+            </a:r>
+            <a:endParaRPr lang="ru-RU" dirty="0"/>
+          </a:p>
+        </p:txBody>
+      </p:sp>
+      <p:sp>
+        <p:nvSpPr>
+          <p:cNvPr id="4" name="Содержимое 3"/>
+          <p:cNvSpPr>
+            <a:spLocks noGrp="1"/>
+          </p:cNvSpPr>
+          <p:nvPr>
+            <p:ph idx="1"/>
+          </p:nvPr>
+        </p:nvSpPr>
+        <p:spPr/>
+        <p:txBody>
+          <a:bodyPr/>
+          <a:lstStyle/>
+          <a:p>
+            <a:r>
+              <a:rPr lang="ru-RU" dirty="0" err="1" smtClean="0"/>
+              <a:t>Java</a:t>
+            </a:r>
+            <a:r>
+              <a:rPr lang="ru-RU" dirty="0" smtClean="0"/>
+              <a:t> 1.8</a:t>
+            </a:r>
+          </a:p>
+          <a:p>
+            <a:r>
+              <a:rPr lang="ru-RU" dirty="0" err="1" smtClean="0"/>
+              <a:t>HyperSQL</a:t>
+            </a:r>
+            <a:r>
+              <a:rPr lang="ru-RU" dirty="0" smtClean="0"/>
+              <a:t> 2.3.2</a:t>
+            </a:r>
+          </a:p>
+          <a:p>
+            <a:r>
+              <a:rPr lang="ru-RU" dirty="0" err="1" smtClean="0"/>
+              <a:t>Apache</a:t>
+            </a:r>
+            <a:r>
+              <a:rPr lang="ru-RU" dirty="0" smtClean="0"/>
+              <a:t> </a:t>
+            </a:r>
+            <a:r>
+              <a:rPr lang="ru-RU" dirty="0" err="1" smtClean="0"/>
+              <a:t>Wicket</a:t>
+            </a:r>
+            <a:r>
+              <a:rPr lang="ru-RU" dirty="0" smtClean="0"/>
+              <a:t> 6.18</a:t>
+            </a:r>
+          </a:p>
+          <a:p>
+            <a:endParaRPr lang="ru-RU" dirty="0" smtClean="0"/>
+          </a:p>
+          <a:p>
+            <a:endParaRPr lang="ru-RU" dirty="0"/>
+          </a:p>
+        </p:txBody>
+      </p:sp>
+    </p:spTree>
+  </p:cSld>
+  <p:clrMapOvr>
+    <a:masterClrMapping/>
+  </p:clrMapOvr>
+</p:sld>
+</file>
+
+<file path=ppt/slides/slide14.xml><?xml version="1.0" encoding="utf-8"?>
+<p:sld xmlns:a="http://schemas.openxmlformats.org/drawingml/2006/main" xmlns:r="http://schemas.openxmlformats.org/officeDocument/2006/relationships" xmlns:p="http://schemas.openxmlformats.org/presentationml/2006/main">
+  <p:cSld>
+    <p:spTree>
+      <p:nvGrpSpPr>
+        <p:cNvPr id="1" name=""/>
+        <p:cNvGrpSpPr/>
+        <p:nvPr/>
+      </p:nvGrpSpPr>
+      <p:grpSpPr>
+        <a:xfrm>
+          <a:off x="0" y="0"/>
+          <a:ext cx="0" cy="0"/>
+          <a:chOff x="0" y="0"/>
+          <a:chExt cx="0" cy="0"/>
+        </a:xfrm>
+      </p:grpSpPr>
+      <p:sp>
+        <p:nvSpPr>
+          <p:cNvPr id="2" name="Заголовок 1"/>
+          <p:cNvSpPr>
+            <a:spLocks noGrp="1"/>
+          </p:cNvSpPr>
+          <p:nvPr>
             <p:ph type="ctrTitle"/>
           </p:nvPr>
         </p:nvSpPr>
